--- a/Sessions/Lectures Intro Day1/Data-limited data-rich.pptx
+++ b/Sessions/Lectures Intro Day1/Data-limited data-rich.pptx
@@ -5837,25 +5837,16 @@
                 </a:solidFill>
                 <a:cs typeface="Arial" charset="0"/>
               </a:rPr>
-              <a:t>for which survey indices (or other indicators of stock size such as reliable fishery-</a:t>
-            </a:r>
-            <a:r>
-              <a:rPr lang="en-US" sz="1600" dirty="0" err="1">
-                <a:solidFill>
-                  <a:schemeClr val="accent6"/>
-                </a:solidFill>
-                <a:cs typeface="Arial" charset="0"/>
-              </a:rPr>
-              <a:t>dependant</a:t>
-            </a:r>
-            <a:r>
-              <a:rPr lang="en-US" sz="1600" dirty="0">
-                <a:solidFill>
-                  <a:schemeClr val="accent6"/>
-                </a:solidFill>
-                <a:cs typeface="Arial" charset="0"/>
-              </a:rPr>
-              <a:t> </a:t>
+              <a:t>for which survey indices (or other indicators of stock size such as reliable </a:t>
+            </a:r>
+            <a:r>
+              <a:rPr lang="en-US" sz="1600" dirty="0" smtClean="0">
+                <a:solidFill>
+                  <a:schemeClr val="accent6"/>
+                </a:solidFill>
+                <a:cs typeface="Arial" charset="0"/>
+              </a:rPr>
+              <a:t>fishery-dependent </a:t>
             </a:r>
             <a:r>
               <a:rPr lang="en-US" sz="1600" dirty="0" smtClean="0">
@@ -8509,15 +8500,7 @@
                   <a:schemeClr val="accent6"/>
                 </a:solidFill>
               </a:rPr>
-              <a:t>- </a:t>
-            </a:r>
-            <a:r>
-              <a:rPr lang="en-US" sz="1200" dirty="0" smtClean="0">
-                <a:solidFill>
-                  <a:schemeClr val="accent6"/>
-                </a:solidFill>
-              </a:rPr>
-              <a:t>ICES 2015. Report of the Fifth Workshop on the Development of Quantitative Assessment Methodologies based on Life-history Traits, Exploitation Characteristics and other Relevant Parameters for Data-limited Stocks (WKLIFE V), 5–9 October 2015, Lisbon, Portugal. ICES CM 2015/ACOM:56. 157 pp.</a:t>
+              <a:t>- ICES 2015. Report of the Fifth Workshop on the Development of Quantitative Assessment Methodologies based on Life-history Traits, Exploitation Characteristics and other Relevant Parameters for Data-limited Stocks (WKLIFE V), 5–9 October 2015, Lisbon, Portugal. ICES CM 2015/ACOM:56. 157 pp.</a:t>
             </a:r>
             <a:endParaRPr lang="en-US" sz="1200" dirty="0">
               <a:solidFill>
